--- a/capstone presentation.pptx
+++ b/capstone presentation.pptx
@@ -159,7 +159,7 @@
 <file path=ppt/revisionInfo.xml><?xml version="1.0" encoding="utf-8"?>
 <p1510:revInfo xmlns:a="http://schemas.openxmlformats.org/drawingml/2006/main" xmlns:r="http://schemas.openxmlformats.org/officeDocument/2006/relationships" xmlns:p1510="http://schemas.microsoft.com/office/powerpoint/2015/10/main">
   <p1510:revLst>
-    <p1510:client id="{77B2CC98-F27B-40F3-98FF-E508D675EEE3}" v="6" dt="2023-04-27T09:58:13.548"/>
+    <p1510:client id="{77B2CC98-F27B-40F3-98FF-E508D675EEE3}" v="41" dt="2023-04-28T09:22:55.245"/>
   </p1510:revLst>
 </p1510:revInfo>
 </file>
@@ -169,22 +169,94 @@
   <pc:docChgLst>
     <pc:chgData name="Charlie Hernandez" userId="95aebbd7a1e528ed" providerId="LiveId" clId="{77B2CC98-F27B-40F3-98FF-E508D675EEE3}"/>
     <pc:docChg chg="undo custSel modSld">
-      <pc:chgData name="Charlie Hernandez" userId="95aebbd7a1e528ed" providerId="LiveId" clId="{77B2CC98-F27B-40F3-98FF-E508D675EEE3}" dt="2023-04-27T09:58:30.370" v="26" actId="1076"/>
+      <pc:chgData name="Charlie Hernandez" userId="95aebbd7a1e528ed" providerId="LiveId" clId="{77B2CC98-F27B-40F3-98FF-E508D675EEE3}" dt="2023-04-28T09:31:41.785" v="1745" actId="20577"/>
       <pc:docMkLst>
         <pc:docMk/>
       </pc:docMkLst>
-      <pc:sldChg chg="modSp mod">
-        <pc:chgData name="Charlie Hernandez" userId="95aebbd7a1e528ed" providerId="LiveId" clId="{77B2CC98-F27B-40F3-98FF-E508D675EEE3}" dt="2023-04-27T09:58:30.370" v="26" actId="1076"/>
+      <pc:sldChg chg="addSp delSp modSp mod">
+        <pc:chgData name="Charlie Hernandez" userId="95aebbd7a1e528ed" providerId="LiveId" clId="{77B2CC98-F27B-40F3-98FF-E508D675EEE3}" dt="2023-04-28T09:31:41.785" v="1745" actId="20577"/>
         <pc:sldMkLst>
           <pc:docMk/>
           <pc:sldMk cId="0" sldId="256"/>
         </pc:sldMkLst>
+        <pc:spChg chg="add mod">
+          <ac:chgData name="Charlie Hernandez" userId="95aebbd7a1e528ed" providerId="LiveId" clId="{77B2CC98-F27B-40F3-98FF-E508D675EEE3}" dt="2023-04-28T09:17:57.060" v="1657" actId="1076"/>
+          <ac:spMkLst>
+            <pc:docMk/>
+            <pc:sldMk cId="0" sldId="256"/>
+            <ac:spMk id="14" creationId="{BA68AB9B-9008-D968-7F8C-CA0D5F164445}"/>
+          </ac:spMkLst>
+        </pc:spChg>
+        <pc:spChg chg="add del mod">
+          <ac:chgData name="Charlie Hernandez" userId="95aebbd7a1e528ed" providerId="LiveId" clId="{77B2CC98-F27B-40F3-98FF-E508D675EEE3}" dt="2023-04-28T09:12:45.486" v="1559"/>
+          <ac:spMkLst>
+            <pc:docMk/>
+            <pc:sldMk cId="0" sldId="256"/>
+            <ac:spMk id="15" creationId="{F659F847-A7EC-1315-DCBD-7351D2BF02CC}"/>
+          </ac:spMkLst>
+        </pc:spChg>
+        <pc:spChg chg="add del mod">
+          <ac:chgData name="Charlie Hernandez" userId="95aebbd7a1e528ed" providerId="LiveId" clId="{77B2CC98-F27B-40F3-98FF-E508D675EEE3}" dt="2023-04-28T09:12:49.878" v="1561"/>
+          <ac:spMkLst>
+            <pc:docMk/>
+            <pc:sldMk cId="0" sldId="256"/>
+            <ac:spMk id="16" creationId="{F6536460-0032-0287-FD76-E01BD50E7E0B}"/>
+          </ac:spMkLst>
+        </pc:spChg>
+        <pc:spChg chg="add mod">
+          <ac:chgData name="Charlie Hernandez" userId="95aebbd7a1e528ed" providerId="LiveId" clId="{77B2CC98-F27B-40F3-98FF-E508D675EEE3}" dt="2023-04-28T09:14:03.582" v="1620" actId="20577"/>
+          <ac:spMkLst>
+            <pc:docMk/>
+            <pc:sldMk cId="0" sldId="256"/>
+            <ac:spMk id="17" creationId="{D5244CAA-19BC-F9B4-C76F-9EB820EC29AA}"/>
+          </ac:spMkLst>
+        </pc:spChg>
+        <pc:spChg chg="add del mod">
+          <ac:chgData name="Charlie Hernandez" userId="95aebbd7a1e528ed" providerId="LiveId" clId="{77B2CC98-F27B-40F3-98FF-E508D675EEE3}" dt="2023-04-28T09:22:55.245" v="1695"/>
+          <ac:spMkLst>
+            <pc:docMk/>
+            <pc:sldMk cId="0" sldId="256"/>
+            <ac:spMk id="34" creationId="{01BBD987-44CE-A63A-0AA9-AE93FE0F3C62}"/>
+          </ac:spMkLst>
+        </pc:spChg>
         <pc:spChg chg="mod">
           <ac:chgData name="Charlie Hernandez" userId="95aebbd7a1e528ed" providerId="LiveId" clId="{77B2CC98-F27B-40F3-98FF-E508D675EEE3}" dt="2023-04-27T09:58:13.548" v="22" actId="1076"/>
           <ac:spMkLst>
             <pc:docMk/>
             <pc:sldMk cId="0" sldId="256"/>
             <ac:spMk id="2051" creationId="{A3154054-6823-C531-94F5-ACA2C2467336}"/>
+          </ac:spMkLst>
+        </pc:spChg>
+        <pc:spChg chg="mod">
+          <ac:chgData name="Charlie Hernandez" userId="95aebbd7a1e528ed" providerId="LiveId" clId="{77B2CC98-F27B-40F3-98FF-E508D675EEE3}" dt="2023-04-28T09:08:21.605" v="1504" actId="1076"/>
+          <ac:spMkLst>
+            <pc:docMk/>
+            <pc:sldMk cId="0" sldId="256"/>
+            <ac:spMk id="2053" creationId="{EFD8220B-C401-C8EB-52A8-3E0D99E0B146}"/>
+          </ac:spMkLst>
+        </pc:spChg>
+        <pc:spChg chg="mod">
+          <ac:chgData name="Charlie Hernandez" userId="95aebbd7a1e528ed" providerId="LiveId" clId="{77B2CC98-F27B-40F3-98FF-E508D675EEE3}" dt="2023-04-28T09:05:17.495" v="1496" actId="20577"/>
+          <ac:spMkLst>
+            <pc:docMk/>
+            <pc:sldMk cId="0" sldId="256"/>
+            <ac:spMk id="2054" creationId="{C951E47E-CEF3-4C03-0331-208650D384E2}"/>
+          </ac:spMkLst>
+        </pc:spChg>
+        <pc:spChg chg="mod">
+          <ac:chgData name="Charlie Hernandez" userId="95aebbd7a1e528ed" providerId="LiveId" clId="{77B2CC98-F27B-40F3-98FF-E508D675EEE3}" dt="2023-04-28T08:19:27.256" v="520" actId="1076"/>
+          <ac:spMkLst>
+            <pc:docMk/>
+            <pc:sldMk cId="0" sldId="256"/>
+            <ac:spMk id="2055" creationId="{0FAF6A4A-5095-7110-6166-616ABDAFF93B}"/>
+          </ac:spMkLst>
+        </pc:spChg>
+        <pc:spChg chg="del mod">
+          <ac:chgData name="Charlie Hernandez" userId="95aebbd7a1e528ed" providerId="LiveId" clId="{77B2CC98-F27B-40F3-98FF-E508D675EEE3}" dt="2023-04-28T09:08:12.351" v="1503" actId="478"/>
+          <ac:spMkLst>
+            <pc:docMk/>
+            <pc:sldMk cId="0" sldId="256"/>
+            <ac:spMk id="2056" creationId="{74E19A02-0CE6-F7AF-5773-41B29E0017F4}"/>
           </ac:spMkLst>
         </pc:spChg>
         <pc:spChg chg="mod">
@@ -195,6 +267,62 @@
             <ac:spMk id="2058" creationId="{814EA6BA-E28D-31E9-125E-E10A384053CD}"/>
           </ac:spMkLst>
         </pc:spChg>
+        <pc:spChg chg="mod">
+          <ac:chgData name="Charlie Hernandez" userId="95aebbd7a1e528ed" providerId="LiveId" clId="{77B2CC98-F27B-40F3-98FF-E508D675EEE3}" dt="2023-04-28T08:31:16.077" v="563" actId="5793"/>
+          <ac:spMkLst>
+            <pc:docMk/>
+            <pc:sldMk cId="0" sldId="256"/>
+            <ac:spMk id="2059" creationId="{7702677A-E4DE-D415-5247-570295DB5FEB}"/>
+          </ac:spMkLst>
+        </pc:spChg>
+        <pc:spChg chg="mod">
+          <ac:chgData name="Charlie Hernandez" userId="95aebbd7a1e528ed" providerId="LiveId" clId="{77B2CC98-F27B-40F3-98FF-E508D675EEE3}" dt="2023-04-28T09:13:18.581" v="1564" actId="1076"/>
+          <ac:spMkLst>
+            <pc:docMk/>
+            <pc:sldMk cId="0" sldId="256"/>
+            <ac:spMk id="2060" creationId="{4DF18DAA-B915-3890-2C6E-F692E2535DE2}"/>
+          </ac:spMkLst>
+        </pc:spChg>
+        <pc:spChg chg="mod">
+          <ac:chgData name="Charlie Hernandez" userId="95aebbd7a1e528ed" providerId="LiveId" clId="{77B2CC98-F27B-40F3-98FF-E508D675EEE3}" dt="2023-04-28T09:07:22.666" v="1502" actId="255"/>
+          <ac:spMkLst>
+            <pc:docMk/>
+            <pc:sldMk cId="0" sldId="256"/>
+            <ac:spMk id="2061" creationId="{FDDEAB99-841B-67E8-98BA-B30E0526AEC9}"/>
+          </ac:spMkLst>
+        </pc:spChg>
+        <pc:spChg chg="mod">
+          <ac:chgData name="Charlie Hernandez" userId="95aebbd7a1e528ed" providerId="LiveId" clId="{77B2CC98-F27B-40F3-98FF-E508D675EEE3}" dt="2023-04-28T08:39:41.460" v="1047" actId="20577"/>
+          <ac:spMkLst>
+            <pc:docMk/>
+            <pc:sldMk cId="0" sldId="256"/>
+            <ac:spMk id="2062" creationId="{180E4EB3-7977-3A5A-95D6-607A52EEC267}"/>
+          </ac:spMkLst>
+        </pc:spChg>
+        <pc:spChg chg="del mod">
+          <ac:chgData name="Charlie Hernandez" userId="95aebbd7a1e528ed" providerId="LiveId" clId="{77B2CC98-F27B-40F3-98FF-E508D675EEE3}" dt="2023-04-28T09:08:12.351" v="1503" actId="478"/>
+          <ac:spMkLst>
+            <pc:docMk/>
+            <pc:sldMk cId="0" sldId="256"/>
+            <ac:spMk id="2063" creationId="{A590A9F6-D4C3-BFDB-FACB-36956D37D5E8}"/>
+          </ac:spMkLst>
+        </pc:spChg>
+        <pc:spChg chg="mod">
+          <ac:chgData name="Charlie Hernandez" userId="95aebbd7a1e528ed" providerId="LiveId" clId="{77B2CC98-F27B-40F3-98FF-E508D675EEE3}" dt="2023-04-28T09:31:41.785" v="1745" actId="20577"/>
+          <ac:spMkLst>
+            <pc:docMk/>
+            <pc:sldMk cId="0" sldId="256"/>
+            <ac:spMk id="2065" creationId="{575DE67A-B797-066F-6532-44D9398F9322}"/>
+          </ac:spMkLst>
+        </pc:spChg>
+        <pc:picChg chg="add del mod">
+          <ac:chgData name="Charlie Hernandez" userId="95aebbd7a1e528ed" providerId="LiveId" clId="{77B2CC98-F27B-40F3-98FF-E508D675EEE3}" dt="2023-04-28T09:12:27.389" v="1554" actId="478"/>
+          <ac:picMkLst>
+            <pc:docMk/>
+            <pc:sldMk cId="0" sldId="256"/>
+            <ac:picMk id="4" creationId="{2F610C2F-9612-F749-F4FD-C1131B5C754E}"/>
+          </ac:picMkLst>
+        </pc:picChg>
         <pc:picChg chg="mod">
           <ac:chgData name="Charlie Hernandez" userId="95aebbd7a1e528ed" providerId="LiveId" clId="{77B2CC98-F27B-40F3-98FF-E508D675EEE3}" dt="2023-04-27T09:58:26.244" v="25" actId="1076"/>
           <ac:picMkLst>
@@ -209,6 +337,126 @@
             <pc:docMk/>
             <pc:sldMk cId="0" sldId="256"/>
             <ac:picMk id="7" creationId="{E268B2A1-0E9F-75AF-497C-68AEC18DEC3E}"/>
+          </ac:picMkLst>
+        </pc:picChg>
+        <pc:picChg chg="add del mod">
+          <ac:chgData name="Charlie Hernandez" userId="95aebbd7a1e528ed" providerId="LiveId" clId="{77B2CC98-F27B-40F3-98FF-E508D675EEE3}" dt="2023-04-28T09:12:28.884" v="1555" actId="478"/>
+          <ac:picMkLst>
+            <pc:docMk/>
+            <pc:sldMk cId="0" sldId="256"/>
+            <ac:picMk id="8" creationId="{AA10983D-DA4D-DB34-B9A8-43BF21FD7173}"/>
+          </ac:picMkLst>
+        </pc:picChg>
+        <pc:picChg chg="mod">
+          <ac:chgData name="Charlie Hernandez" userId="95aebbd7a1e528ed" providerId="LiveId" clId="{77B2CC98-F27B-40F3-98FF-E508D675EEE3}" dt="2023-04-28T08:31:32.731" v="565" actId="1076"/>
+          <ac:picMkLst>
+            <pc:docMk/>
+            <pc:sldMk cId="0" sldId="256"/>
+            <ac:picMk id="9" creationId="{DB3884A3-DA82-03B4-C552-4D322C3EF6C1}"/>
+          </ac:picMkLst>
+        </pc:picChg>
+        <pc:picChg chg="add del mod">
+          <ac:chgData name="Charlie Hernandez" userId="95aebbd7a1e528ed" providerId="LiveId" clId="{77B2CC98-F27B-40F3-98FF-E508D675EEE3}" dt="2023-04-28T09:12:03.112" v="1546" actId="22"/>
+          <ac:picMkLst>
+            <pc:docMk/>
+            <pc:sldMk cId="0" sldId="256"/>
+            <ac:picMk id="12" creationId="{2DF981F9-8581-8615-E169-29527592FA6C}"/>
+          </ac:picMkLst>
+        </pc:picChg>
+        <pc:picChg chg="mod">
+          <ac:chgData name="Charlie Hernandez" userId="95aebbd7a1e528ed" providerId="LiveId" clId="{77B2CC98-F27B-40F3-98FF-E508D675EEE3}" dt="2023-04-28T08:31:24.927" v="564" actId="1076"/>
+          <ac:picMkLst>
+            <pc:docMk/>
+            <pc:sldMk cId="0" sldId="256"/>
+            <ac:picMk id="13" creationId="{02179555-C861-7948-561A-B48693B7935D}"/>
+          </ac:picMkLst>
+        </pc:picChg>
+        <pc:picChg chg="add del mod">
+          <ac:chgData name="Charlie Hernandez" userId="95aebbd7a1e528ed" providerId="LiveId" clId="{77B2CC98-F27B-40F3-98FF-E508D675EEE3}" dt="2023-04-28T09:14:39.380" v="1623" actId="478"/>
+          <ac:picMkLst>
+            <pc:docMk/>
+            <pc:sldMk cId="0" sldId="256"/>
+            <ac:picMk id="19" creationId="{2AA3B397-09B6-E9D8-2F48-D7B7CE9261E4}"/>
+          </ac:picMkLst>
+        </pc:picChg>
+        <pc:picChg chg="add del mod">
+          <ac:chgData name="Charlie Hernandez" userId="95aebbd7a1e528ed" providerId="LiveId" clId="{77B2CC98-F27B-40F3-98FF-E508D675EEE3}" dt="2023-04-28T09:19:19.339" v="1673" actId="478"/>
+          <ac:picMkLst>
+            <pc:docMk/>
+            <pc:sldMk cId="0" sldId="256"/>
+            <ac:picMk id="21" creationId="{1CE29D65-CD8E-780B-F50B-04287E8B96C8}"/>
+          </ac:picMkLst>
+        </pc:picChg>
+        <pc:picChg chg="add del mod">
+          <ac:chgData name="Charlie Hernandez" userId="95aebbd7a1e528ed" providerId="LiveId" clId="{77B2CC98-F27B-40F3-98FF-E508D675EEE3}" dt="2023-04-28T09:19:20.099" v="1674" actId="478"/>
+          <ac:picMkLst>
+            <pc:docMk/>
+            <pc:sldMk cId="0" sldId="256"/>
+            <ac:picMk id="23" creationId="{1FC6EF8A-9051-B892-2D82-E1467FB98554}"/>
+          </ac:picMkLst>
+        </pc:picChg>
+        <pc:picChg chg="add del mod">
+          <ac:chgData name="Charlie Hernandez" userId="95aebbd7a1e528ed" providerId="LiveId" clId="{77B2CC98-F27B-40F3-98FF-E508D675EEE3}" dt="2023-04-28T09:19:20.610" v="1675" actId="478"/>
+          <ac:picMkLst>
+            <pc:docMk/>
+            <pc:sldMk cId="0" sldId="256"/>
+            <ac:picMk id="25" creationId="{8F305645-AB6E-00C7-9DF4-97155265479D}"/>
+          </ac:picMkLst>
+        </pc:picChg>
+        <pc:picChg chg="add del mod">
+          <ac:chgData name="Charlie Hernandez" userId="95aebbd7a1e528ed" providerId="LiveId" clId="{77B2CC98-F27B-40F3-98FF-E508D675EEE3}" dt="2023-04-28T09:21:30.626" v="1682" actId="478"/>
+          <ac:picMkLst>
+            <pc:docMk/>
+            <pc:sldMk cId="0" sldId="256"/>
+            <ac:picMk id="27" creationId="{5CBA31FE-D9BF-38BB-2A6A-6A94F887090E}"/>
+          </ac:picMkLst>
+        </pc:picChg>
+        <pc:picChg chg="add mod">
+          <ac:chgData name="Charlie Hernandez" userId="95aebbd7a1e528ed" providerId="LiveId" clId="{77B2CC98-F27B-40F3-98FF-E508D675EEE3}" dt="2023-04-28T09:23:39.294" v="1701" actId="14100"/>
+          <ac:picMkLst>
+            <pc:docMk/>
+            <pc:sldMk cId="0" sldId="256"/>
+            <ac:picMk id="29" creationId="{2428EF2E-C647-EE6E-A4E8-1E5767DE7353}"/>
+          </ac:picMkLst>
+        </pc:picChg>
+        <pc:picChg chg="add del">
+          <ac:chgData name="Charlie Hernandez" userId="95aebbd7a1e528ed" providerId="LiveId" clId="{77B2CC98-F27B-40F3-98FF-E508D675EEE3}" dt="2023-04-28T09:22:49.236" v="1693" actId="22"/>
+          <ac:picMkLst>
+            <pc:docMk/>
+            <pc:sldMk cId="0" sldId="256"/>
+            <ac:picMk id="31" creationId="{76BA66DF-C436-5237-5627-7F30907B5E49}"/>
+          </ac:picMkLst>
+        </pc:picChg>
+        <pc:picChg chg="add del">
+          <ac:chgData name="Charlie Hernandez" userId="95aebbd7a1e528ed" providerId="LiveId" clId="{77B2CC98-F27B-40F3-98FF-E508D675EEE3}" dt="2023-04-28T09:22:48.572" v="1692" actId="22"/>
+          <ac:picMkLst>
+            <pc:docMk/>
+            <pc:sldMk cId="0" sldId="256"/>
+            <ac:picMk id="33" creationId="{28490D2B-CEF8-4BBC-504F-B5466CD2745D}"/>
+          </ac:picMkLst>
+        </pc:picChg>
+        <pc:picChg chg="add mod">
+          <ac:chgData name="Charlie Hernandez" userId="95aebbd7a1e528ed" providerId="LiveId" clId="{77B2CC98-F27B-40F3-98FF-E508D675EEE3}" dt="2023-04-28T09:23:48.982" v="1704" actId="1076"/>
+          <ac:picMkLst>
+            <pc:docMk/>
+            <pc:sldMk cId="0" sldId="256"/>
+            <ac:picMk id="36" creationId="{9BA862CA-D295-11F9-95BD-B387C11B535A}"/>
+          </ac:picMkLst>
+        </pc:picChg>
+        <pc:picChg chg="add del mod">
+          <ac:chgData name="Charlie Hernandez" userId="95aebbd7a1e528ed" providerId="LiveId" clId="{77B2CC98-F27B-40F3-98FF-E508D675EEE3}" dt="2023-04-28T08:19:28.058" v="521"/>
+          <ac:picMkLst>
+            <pc:docMk/>
+            <pc:sldMk cId="0" sldId="256"/>
+            <ac:picMk id="1026" creationId="{D5DE8EEE-BEEB-1D75-251A-513DAD99CF61}"/>
+          </ac:picMkLst>
+        </pc:picChg>
+        <pc:picChg chg="add mod">
+          <ac:chgData name="Charlie Hernandez" userId="95aebbd7a1e528ed" providerId="LiveId" clId="{77B2CC98-F27B-40F3-98FF-E508D675EEE3}" dt="2023-04-28T08:20:02.855" v="529" actId="1076"/>
+          <ac:picMkLst>
+            <pc:docMk/>
+            <pc:sldMk cId="0" sldId="256"/>
+            <ac:picMk id="1028" creationId="{59411DD7-6F11-B24F-B44F-E56A8EFAA91F}"/>
           </ac:picMkLst>
         </pc:picChg>
       </pc:sldChg>
@@ -299,7 +547,7 @@
           <a:p>
             <a:fld id="{2ABD5C6F-9011-4F9D-81F4-F48BFE1E6C3F}" type="datetimeFigureOut">
               <a:rPr lang="en-US" smtClean="0"/>
-              <a:t>4/27/2023</a:t>
+              <a:t>4/28/2023</a:t>
             </a:fld>
             <a:endParaRPr lang="en-US"/>
           </a:p>
@@ -4708,7 +4956,7 @@
         </p:nvSpPr>
         <p:spPr bwMode="auto">
           <a:xfrm>
-            <a:off x="15849600" y="20716413"/>
+            <a:off x="29794200" y="25373168"/>
             <a:ext cx="12192000" cy="701675"/>
           </a:xfrm>
           <a:prstGeom prst="rect">
@@ -4847,13 +5095,13 @@
           <a:p>
             <a:pPr algn="ctr"/>
             <a:r>
-              <a:rPr lang="en-US" altLang="en-US" sz="4000">
+              <a:rPr lang="en-US" altLang="en-US" sz="4000" dirty="0">
                 <a:solidFill>
                   <a:schemeClr val="bg1"/>
                 </a:solidFill>
                 <a:latin typeface="Gill Sans MT" panose="020B0502020104020203" pitchFamily="34" charset="0"/>
               </a:rPr>
-              <a:t>Conclusions (or type a new title here)</a:t>
+              <a:t>Conclusions</a:t>
             </a:r>
           </a:p>
         </p:txBody>
@@ -5013,13 +5261,13 @@
           <a:p>
             <a:pPr algn="ctr"/>
             <a:r>
-              <a:rPr lang="en-US" altLang="en-US" sz="4000">
+              <a:rPr lang="en-US" altLang="en-US" sz="4000" dirty="0">
                 <a:solidFill>
                   <a:schemeClr val="bg1"/>
                 </a:solidFill>
                 <a:latin typeface="Gill Sans MT" panose="020B0502020104020203" pitchFamily="34" charset="0"/>
               </a:rPr>
-              <a:t>Literature Cited (or type a new title here)</a:t>
+              <a:t>Citations</a:t>
             </a:r>
           </a:p>
         </p:txBody>
@@ -5040,7 +5288,7 @@
         </p:nvSpPr>
         <p:spPr bwMode="auto">
           <a:xfrm>
-            <a:off x="29794200" y="15829299"/>
+            <a:off x="29794200" y="12238852"/>
             <a:ext cx="12192000" cy="701675"/>
           </a:xfrm>
           <a:prstGeom prst="rect">
@@ -5179,179 +5427,13 @@
           <a:p>
             <a:pPr algn="ctr"/>
             <a:r>
-              <a:rPr lang="en-US" altLang="en-US" sz="4000">
+              <a:rPr lang="en-US" altLang="en-US" sz="4000" dirty="0">
                 <a:solidFill>
                   <a:schemeClr val="bg1"/>
                 </a:solidFill>
                 <a:latin typeface="Gill Sans MT" panose="020B0502020104020203" pitchFamily="34" charset="0"/>
               </a:rPr>
-              <a:t>Acknowledgements (or type a new title here)</a:t>
-            </a:r>
-          </a:p>
-        </p:txBody>
-      </p:sp>
-      <p:sp>
-        <p:nvSpPr>
-          <p:cNvPr id="2056" name="Text Box 34">
-            <a:extLst>
-              <a:ext uri="{FF2B5EF4-FFF2-40B4-BE49-F238E27FC236}">
-                <a16:creationId xmlns:a16="http://schemas.microsoft.com/office/drawing/2014/main" id="{74E19A02-0CE6-F7AF-5773-41B29E0017F4}"/>
-              </a:ext>
-            </a:extLst>
-          </p:cNvPr>
-          <p:cNvSpPr txBox="1">
-            <a:spLocks noChangeArrowheads="1"/>
-          </p:cNvSpPr>
-          <p:nvPr/>
-        </p:nvSpPr>
-        <p:spPr bwMode="auto">
-          <a:xfrm>
-            <a:off x="29794200" y="24933275"/>
-            <a:ext cx="12192000" cy="701675"/>
-          </a:xfrm>
-          <a:prstGeom prst="rect">
-            <a:avLst/>
-          </a:prstGeom>
-          <a:solidFill>
-            <a:srgbClr val="850011"/>
-          </a:solidFill>
-          <a:ln>
-            <a:noFill/>
-          </a:ln>
-          <a:extLst>
-            <a:ext uri="{91240B29-F687-4F45-9708-019B960494DF}">
-              <a14:hiddenLine xmlns:a14="http://schemas.microsoft.com/office/drawing/2010/main" w="9525">
-                <a:solidFill>
-                  <a:srgbClr val="000000"/>
-                </a:solidFill>
-                <a:miter lim="800000"/>
-                <a:headEnd/>
-                <a:tailEnd/>
-              </a14:hiddenLine>
-            </a:ext>
-          </a:extLst>
-        </p:spPr>
-        <p:txBody>
-          <a:bodyPr>
-            <a:spAutoFit/>
-          </a:bodyPr>
-          <a:lstStyle>
-            <a:lvl1pPr>
-              <a:defRPr sz="2400">
-                <a:solidFill>
-                  <a:schemeClr val="tx1"/>
-                </a:solidFill>
-                <a:latin typeface="Times" panose="02020603050405020304" pitchFamily="18" charset="0"/>
-                <a:ea typeface="ＭＳ Ｐゴシック" panose="020B0600070205080204" pitchFamily="34" charset="-128"/>
-              </a:defRPr>
-            </a:lvl1pPr>
-            <a:lvl2pPr marL="742950" indent="-285750">
-              <a:defRPr sz="2400">
-                <a:solidFill>
-                  <a:schemeClr val="tx1"/>
-                </a:solidFill>
-                <a:latin typeface="Times" panose="02020603050405020304" pitchFamily="18" charset="0"/>
-                <a:ea typeface="ＭＳ Ｐゴシック" panose="020B0600070205080204" pitchFamily="34" charset="-128"/>
-              </a:defRPr>
-            </a:lvl2pPr>
-            <a:lvl3pPr marL="1143000" indent="-228600">
-              <a:defRPr sz="2400">
-                <a:solidFill>
-                  <a:schemeClr val="tx1"/>
-                </a:solidFill>
-                <a:latin typeface="Times" panose="02020603050405020304" pitchFamily="18" charset="0"/>
-                <a:ea typeface="ＭＳ Ｐゴシック" panose="020B0600070205080204" pitchFamily="34" charset="-128"/>
-              </a:defRPr>
-            </a:lvl3pPr>
-            <a:lvl4pPr marL="1600200" indent="-228600">
-              <a:defRPr sz="2400">
-                <a:solidFill>
-                  <a:schemeClr val="tx1"/>
-                </a:solidFill>
-                <a:latin typeface="Times" panose="02020603050405020304" pitchFamily="18" charset="0"/>
-                <a:ea typeface="ＭＳ Ｐゴシック" panose="020B0600070205080204" pitchFamily="34" charset="-128"/>
-              </a:defRPr>
-            </a:lvl4pPr>
-            <a:lvl5pPr marL="2057400" indent="-228600">
-              <a:defRPr sz="2400">
-                <a:solidFill>
-                  <a:schemeClr val="tx1"/>
-                </a:solidFill>
-                <a:latin typeface="Times" panose="02020603050405020304" pitchFamily="18" charset="0"/>
-                <a:ea typeface="ＭＳ Ｐゴシック" panose="020B0600070205080204" pitchFamily="34" charset="-128"/>
-              </a:defRPr>
-            </a:lvl5pPr>
-            <a:lvl6pPr marL="2514600" indent="-228600" eaLnBrk="0" fontAlgn="base" hangingPunct="0">
-              <a:spcBef>
-                <a:spcPct val="0"/>
-              </a:spcBef>
-              <a:spcAft>
-                <a:spcPct val="0"/>
-              </a:spcAft>
-              <a:defRPr sz="2400">
-                <a:solidFill>
-                  <a:schemeClr val="tx1"/>
-                </a:solidFill>
-                <a:latin typeface="Times" panose="02020603050405020304" pitchFamily="18" charset="0"/>
-                <a:ea typeface="ＭＳ Ｐゴシック" panose="020B0600070205080204" pitchFamily="34" charset="-128"/>
-              </a:defRPr>
-            </a:lvl6pPr>
-            <a:lvl7pPr marL="2971800" indent="-228600" eaLnBrk="0" fontAlgn="base" hangingPunct="0">
-              <a:spcBef>
-                <a:spcPct val="0"/>
-              </a:spcBef>
-              <a:spcAft>
-                <a:spcPct val="0"/>
-              </a:spcAft>
-              <a:defRPr sz="2400">
-                <a:solidFill>
-                  <a:schemeClr val="tx1"/>
-                </a:solidFill>
-                <a:latin typeface="Times" panose="02020603050405020304" pitchFamily="18" charset="0"/>
-                <a:ea typeface="ＭＳ Ｐゴシック" panose="020B0600070205080204" pitchFamily="34" charset="-128"/>
-              </a:defRPr>
-            </a:lvl7pPr>
-            <a:lvl8pPr marL="3429000" indent="-228600" eaLnBrk="0" fontAlgn="base" hangingPunct="0">
-              <a:spcBef>
-                <a:spcPct val="0"/>
-              </a:spcBef>
-              <a:spcAft>
-                <a:spcPct val="0"/>
-              </a:spcAft>
-              <a:defRPr sz="2400">
-                <a:solidFill>
-                  <a:schemeClr val="tx1"/>
-                </a:solidFill>
-                <a:latin typeface="Times" panose="02020603050405020304" pitchFamily="18" charset="0"/>
-                <a:ea typeface="ＭＳ Ｐゴシック" panose="020B0600070205080204" pitchFamily="34" charset="-128"/>
-              </a:defRPr>
-            </a:lvl8pPr>
-            <a:lvl9pPr marL="3886200" indent="-228600" eaLnBrk="0" fontAlgn="base" hangingPunct="0">
-              <a:spcBef>
-                <a:spcPct val="0"/>
-              </a:spcBef>
-              <a:spcAft>
-                <a:spcPct val="0"/>
-              </a:spcAft>
-              <a:defRPr sz="2400">
-                <a:solidFill>
-                  <a:schemeClr val="tx1"/>
-                </a:solidFill>
-                <a:latin typeface="Times" panose="02020603050405020304" pitchFamily="18" charset="0"/>
-                <a:ea typeface="ＭＳ Ｐゴシック" panose="020B0600070205080204" pitchFamily="34" charset="-128"/>
-              </a:defRPr>
-            </a:lvl9pPr>
-          </a:lstStyle>
-          <a:p>
-            <a:pPr algn="ctr"/>
-            <a:r>
-              <a:rPr lang="en-US" altLang="en-US" sz="4000">
-                <a:solidFill>
-                  <a:schemeClr val="bg1"/>
-                </a:solidFill>
-                <a:latin typeface="Gill Sans MT" panose="020B0502020104020203" pitchFamily="34" charset="0"/>
-              </a:rPr>
-              <a:t>Further Reading (or type a new title here)</a:t>
+              <a:t>Modbus TCP/IP Protocol</a:t>
             </a:r>
           </a:p>
         </p:txBody>
@@ -5861,7 +5943,7 @@
         <p:spPr bwMode="auto">
           <a:xfrm>
             <a:off x="15849600" y="6371921"/>
-            <a:ext cx="12192000" cy="4893647"/>
+            <a:ext cx="12192000" cy="13757612"/>
           </a:xfrm>
           <a:prstGeom prst="rect">
             <a:avLst/>
@@ -6130,6 +6212,201 @@
               </a:rPr>
               <a:t>Solenoid water valves (2)</a:t>
             </a:r>
+          </a:p>
+          <a:p>
+            <a:pPr marL="457200" indent="-457200" algn="just">
+              <a:buFont typeface="Arial" panose="020B0604020202020204" pitchFamily="34" charset="0"/>
+              <a:buChar char="•"/>
+            </a:pPr>
+            <a:endParaRPr lang="en-US" altLang="en-US" sz="3200" dirty="0">
+              <a:solidFill>
+                <a:srgbClr val="000000"/>
+              </a:solidFill>
+              <a:latin typeface="Gill Sans MT" panose="020B0502020104020203" pitchFamily="34" charset="0"/>
+            </a:endParaRPr>
+          </a:p>
+          <a:p>
+            <a:pPr marL="457200" indent="-457200" algn="just">
+              <a:buFont typeface="Arial" panose="020B0604020202020204" pitchFamily="34" charset="0"/>
+              <a:buChar char="•"/>
+            </a:pPr>
+            <a:endParaRPr lang="en-US" altLang="en-US" sz="3200" dirty="0">
+              <a:solidFill>
+                <a:srgbClr val="000000"/>
+              </a:solidFill>
+              <a:latin typeface="Gill Sans MT" panose="020B0502020104020203" pitchFamily="34" charset="0"/>
+            </a:endParaRPr>
+          </a:p>
+          <a:p>
+            <a:pPr algn="just"/>
+            <a:endParaRPr lang="en-US" altLang="en-US" sz="3200" dirty="0">
+              <a:solidFill>
+                <a:srgbClr val="000000"/>
+              </a:solidFill>
+              <a:latin typeface="Gill Sans MT" panose="020B0502020104020203" pitchFamily="34" charset="0"/>
+            </a:endParaRPr>
+          </a:p>
+          <a:p>
+            <a:pPr marL="457200" indent="-457200" algn="just">
+              <a:buFont typeface="Arial" panose="020B0604020202020204" pitchFamily="34" charset="0"/>
+              <a:buChar char="•"/>
+            </a:pPr>
+            <a:endParaRPr lang="en-US" altLang="en-US" sz="3200" dirty="0">
+              <a:solidFill>
+                <a:srgbClr val="000000"/>
+              </a:solidFill>
+              <a:latin typeface="Gill Sans MT" panose="020B0502020104020203" pitchFamily="34" charset="0"/>
+            </a:endParaRPr>
+          </a:p>
+          <a:p>
+            <a:pPr marL="457200" indent="-457200" algn="just">
+              <a:buFont typeface="Arial" panose="020B0604020202020204" pitchFamily="34" charset="0"/>
+              <a:buChar char="•"/>
+            </a:pPr>
+            <a:endParaRPr lang="en-US" altLang="en-US" sz="3200" dirty="0">
+              <a:solidFill>
+                <a:srgbClr val="000000"/>
+              </a:solidFill>
+              <a:latin typeface="Gill Sans MT" panose="020B0502020104020203" pitchFamily="34" charset="0"/>
+            </a:endParaRPr>
+          </a:p>
+          <a:p>
+            <a:pPr marL="457200" indent="-457200" algn="just">
+              <a:buFont typeface="Arial" panose="020B0604020202020204" pitchFamily="34" charset="0"/>
+              <a:buChar char="•"/>
+            </a:pPr>
+            <a:endParaRPr lang="en-US" altLang="en-US" sz="3200" dirty="0">
+              <a:solidFill>
+                <a:srgbClr val="000000"/>
+              </a:solidFill>
+              <a:latin typeface="Gill Sans MT" panose="020B0502020104020203" pitchFamily="34" charset="0"/>
+            </a:endParaRPr>
+          </a:p>
+          <a:p>
+            <a:pPr marL="457200" indent="-457200" algn="just">
+              <a:buFont typeface="Arial" panose="020B0604020202020204" pitchFamily="34" charset="0"/>
+              <a:buChar char="•"/>
+            </a:pPr>
+            <a:endParaRPr lang="en-US" altLang="en-US" sz="3200" dirty="0">
+              <a:solidFill>
+                <a:srgbClr val="000000"/>
+              </a:solidFill>
+              <a:latin typeface="Gill Sans MT" panose="020B0502020104020203" pitchFamily="34" charset="0"/>
+            </a:endParaRPr>
+          </a:p>
+          <a:p>
+            <a:pPr marL="457200" indent="-457200" algn="just">
+              <a:buFont typeface="Arial" panose="020B0604020202020204" pitchFamily="34" charset="0"/>
+              <a:buChar char="•"/>
+            </a:pPr>
+            <a:endParaRPr lang="en-US" altLang="en-US" sz="3200" dirty="0">
+              <a:solidFill>
+                <a:srgbClr val="000000"/>
+              </a:solidFill>
+              <a:latin typeface="Gill Sans MT" panose="020B0502020104020203" pitchFamily="34" charset="0"/>
+            </a:endParaRPr>
+          </a:p>
+          <a:p>
+            <a:pPr marL="457200" indent="-457200" algn="just">
+              <a:buFont typeface="Arial" panose="020B0604020202020204" pitchFamily="34" charset="0"/>
+              <a:buChar char="•"/>
+            </a:pPr>
+            <a:endParaRPr lang="en-US" altLang="en-US" sz="3200" dirty="0">
+              <a:solidFill>
+                <a:srgbClr val="000000"/>
+              </a:solidFill>
+              <a:latin typeface="Gill Sans MT" panose="020B0502020104020203" pitchFamily="34" charset="0"/>
+            </a:endParaRPr>
+          </a:p>
+          <a:p>
+            <a:pPr marL="457200" indent="-457200" algn="just">
+              <a:buFont typeface="Arial" panose="020B0604020202020204" pitchFamily="34" charset="0"/>
+              <a:buChar char="•"/>
+            </a:pPr>
+            <a:endParaRPr lang="en-US" altLang="en-US" sz="3200" dirty="0">
+              <a:solidFill>
+                <a:srgbClr val="000000"/>
+              </a:solidFill>
+              <a:latin typeface="Gill Sans MT" panose="020B0502020104020203" pitchFamily="34" charset="0"/>
+            </a:endParaRPr>
+          </a:p>
+          <a:p>
+            <a:pPr algn="just"/>
+            <a:endParaRPr lang="en-US" altLang="en-US" sz="3200" dirty="0">
+              <a:solidFill>
+                <a:srgbClr val="000000"/>
+              </a:solidFill>
+              <a:latin typeface="Gill Sans MT" panose="020B0502020104020203" pitchFamily="34" charset="0"/>
+            </a:endParaRPr>
+          </a:p>
+          <a:p>
+            <a:pPr marL="457200" indent="-457200" algn="just">
+              <a:buFont typeface="Arial" panose="020B0604020202020204" pitchFamily="34" charset="0"/>
+              <a:buChar char="•"/>
+            </a:pPr>
+            <a:endParaRPr lang="en-US" altLang="en-US" sz="3200" dirty="0">
+              <a:solidFill>
+                <a:srgbClr val="000000"/>
+              </a:solidFill>
+              <a:latin typeface="Gill Sans MT" panose="020B0502020104020203" pitchFamily="34" charset="0"/>
+            </a:endParaRPr>
+          </a:p>
+          <a:p>
+            <a:pPr marL="457200" indent="-457200" algn="just">
+              <a:buFont typeface="Arial" panose="020B0604020202020204" pitchFamily="34" charset="0"/>
+              <a:buChar char="•"/>
+            </a:pPr>
+            <a:endParaRPr lang="en-US" altLang="en-US" sz="3200" dirty="0">
+              <a:solidFill>
+                <a:srgbClr val="000000"/>
+              </a:solidFill>
+              <a:latin typeface="Gill Sans MT" panose="020B0502020104020203" pitchFamily="34" charset="0"/>
+            </a:endParaRPr>
+          </a:p>
+          <a:p>
+            <a:pPr marL="457200" indent="-457200" algn="just">
+              <a:buFont typeface="Arial" panose="020B0604020202020204" pitchFamily="34" charset="0"/>
+              <a:buChar char="•"/>
+            </a:pPr>
+            <a:endParaRPr lang="en-US" altLang="en-US" sz="3200" dirty="0">
+              <a:solidFill>
+                <a:srgbClr val="000000"/>
+              </a:solidFill>
+              <a:latin typeface="Gill Sans MT" panose="020B0502020104020203" pitchFamily="34" charset="0"/>
+            </a:endParaRPr>
+          </a:p>
+          <a:p>
+            <a:pPr marL="457200" indent="-457200" algn="just">
+              <a:buFont typeface="Arial" panose="020B0604020202020204" pitchFamily="34" charset="0"/>
+              <a:buChar char="•"/>
+            </a:pPr>
+            <a:endParaRPr lang="en-US" altLang="en-US" sz="3200" dirty="0">
+              <a:solidFill>
+                <a:srgbClr val="000000"/>
+              </a:solidFill>
+              <a:latin typeface="Gill Sans MT" panose="020B0502020104020203" pitchFamily="34" charset="0"/>
+            </a:endParaRPr>
+          </a:p>
+          <a:p>
+            <a:pPr marL="457200" indent="-457200" algn="just">
+              <a:buFont typeface="Arial" panose="020B0604020202020204" pitchFamily="34" charset="0"/>
+              <a:buChar char="•"/>
+            </a:pPr>
+            <a:endParaRPr lang="en-US" altLang="en-US" sz="3200" dirty="0">
+              <a:solidFill>
+                <a:srgbClr val="000000"/>
+              </a:solidFill>
+              <a:latin typeface="Gill Sans MT" panose="020B0502020104020203" pitchFamily="34" charset="0"/>
+            </a:endParaRPr>
+          </a:p>
+          <a:p>
+            <a:pPr algn="just"/>
+            <a:endParaRPr lang="en-US" altLang="en-US" sz="3200" dirty="0">
+              <a:solidFill>
+                <a:srgbClr val="000000"/>
+              </a:solidFill>
+              <a:latin typeface="Gill Sans MT" panose="020B0502020104020203" pitchFamily="34" charset="0"/>
+            </a:endParaRPr>
           </a:p>
         </p:txBody>
       </p:sp>
@@ -6149,8 +6426,8 @@
         </p:nvSpPr>
         <p:spPr bwMode="auto">
           <a:xfrm>
-            <a:off x="15849600" y="21402213"/>
-            <a:ext cx="12192000" cy="762000"/>
+            <a:off x="29794200" y="26058968"/>
+            <a:ext cx="12192000" cy="4893647"/>
           </a:xfrm>
           <a:prstGeom prst="rect">
             <a:avLst/>
@@ -6288,13 +6565,13 @@
           <a:p>
             <a:pPr algn="just"/>
             <a:r>
-              <a:rPr lang="en-US" altLang="en-US" sz="2000" dirty="0">
+              <a:rPr lang="en-US" altLang="en-US" sz="3200" dirty="0">
                 <a:solidFill>
                   <a:srgbClr val="000000"/>
                 </a:solidFill>
                 <a:latin typeface="Gill Sans MT" panose="020B0502020104020203" pitchFamily="34" charset="0"/>
               </a:rPr>
-              <a:t>Enter your conclusion text here…</a:t>
+              <a:t>In conclusion, we exploited Modbus’s vulnerabilities and overloaded the PLC (Raspberry Pi) with malicious commands. While other protocols such as HTTP/1.1 have evolved over time to their newer, more secure iterations (HTTP/3), Modbus has remained stagnant. As a result, industrial control systems, such as Programmable Logic Controllers (PLCs), remain persistent targets for potential attackers to exploit, particularly due to their operation of critical applications capable of causing widespread damage, such as the disruption of entire cities.</a:t>
             </a:r>
           </a:p>
         </p:txBody>
@@ -6316,7 +6593,7 @@
         <p:spPr bwMode="auto">
           <a:xfrm>
             <a:off x="29794200" y="6371921"/>
-            <a:ext cx="12192000" cy="762000"/>
+            <a:ext cx="12192000" cy="4708981"/>
           </a:xfrm>
           <a:prstGeom prst="rect">
             <a:avLst/>
@@ -6452,16 +6729,119 @@
             </a:lvl9pPr>
           </a:lstStyle>
           <a:p>
-            <a:pPr algn="just"/>
-            <a:r>
-              <a:rPr lang="en-US" altLang="en-US" sz="2000">
-                <a:solidFill>
-                  <a:srgbClr val="000000"/>
-                </a:solidFill>
-                <a:latin typeface="Gill Sans MT" panose="020B0502020104020203" pitchFamily="34" charset="0"/>
+            <a:r>
+              <a:rPr lang="en-US" sz="2400" dirty="0">
+                <a:effectLst/>
               </a:rPr>
-              <a:t>Enter cited Literature here…</a:t>
-            </a:r>
+              <a:t>“</a:t>
+            </a:r>
+            <a:r>
+              <a:rPr lang="en-US" sz="3200" dirty="0">
+                <a:effectLst/>
+              </a:rPr>
+              <a:t>1.1 </a:t>
+            </a:r>
+            <a:r>
+              <a:rPr lang="en-US" sz="3200" dirty="0" err="1">
+                <a:effectLst/>
+              </a:rPr>
+              <a:t>Openplc</a:t>
+            </a:r>
+            <a:r>
+              <a:rPr lang="en-US" sz="3200" dirty="0">
+                <a:effectLst/>
+              </a:rPr>
+              <a:t> Overview.” </a:t>
+            </a:r>
+            <a:r>
+              <a:rPr lang="en-US" sz="3200" i="1" dirty="0" err="1">
+                <a:effectLst/>
+              </a:rPr>
+              <a:t>Página</a:t>
+            </a:r>
+            <a:r>
+              <a:rPr lang="en-US" sz="3200" i="1" dirty="0">
+                <a:effectLst/>
+              </a:rPr>
+              <a:t> </a:t>
+            </a:r>
+            <a:r>
+              <a:rPr lang="en-US" sz="3200" i="1" dirty="0" err="1">
+                <a:effectLst/>
+              </a:rPr>
+              <a:t>Inicial</a:t>
+            </a:r>
+            <a:r>
+              <a:rPr lang="en-US" sz="3200" dirty="0">
+                <a:effectLst/>
+              </a:rPr>
+              <a:t>, https://openplcproject.com/docs/openplc-overview/. </a:t>
+            </a:r>
+          </a:p>
+          <a:p>
+            <a:endParaRPr lang="en-US" sz="3200" dirty="0"/>
+          </a:p>
+          <a:p>
+            <a:r>
+              <a:rPr lang="en-US" sz="3200" dirty="0">
+                <a:effectLst/>
+              </a:rPr>
+              <a:t>“</a:t>
+            </a:r>
+            <a:r>
+              <a:rPr lang="en-US" sz="3200" dirty="0" err="1">
+                <a:effectLst/>
+              </a:rPr>
+              <a:t>OpenPLC</a:t>
+            </a:r>
+            <a:r>
+              <a:rPr lang="en-US" sz="3200" dirty="0">
+                <a:effectLst/>
+              </a:rPr>
+              <a:t>.” </a:t>
+            </a:r>
+            <a:r>
+              <a:rPr lang="en-US" sz="3200" i="1" dirty="0">
+                <a:effectLst/>
+              </a:rPr>
+              <a:t>YouTube</a:t>
+            </a:r>
+            <a:r>
+              <a:rPr lang="en-US" sz="3200" dirty="0">
+                <a:effectLst/>
+              </a:rPr>
+              <a:t>, YouTube, https://www.youtube.com/@openplc. </a:t>
+            </a:r>
+          </a:p>
+          <a:p>
+            <a:endParaRPr lang="en-US" sz="3200" b="1" dirty="0">
+              <a:effectLst/>
+            </a:endParaRPr>
+          </a:p>
+          <a:p>
+            <a:r>
+              <a:rPr lang="en-US" sz="2800" dirty="0">
+                <a:effectLst/>
+              </a:rPr>
+              <a:t>“Raspberry Pi Plant Watering (&amp; Time Lapse).” </a:t>
+            </a:r>
+            <a:r>
+              <a:rPr lang="en-US" sz="2800" i="1" dirty="0">
+                <a:effectLst/>
+              </a:rPr>
+              <a:t>YouTube</a:t>
+            </a:r>
+            <a:r>
+              <a:rPr lang="en-US" sz="2800" dirty="0">
+                <a:effectLst/>
+              </a:rPr>
+              <a:t>, YouTube, 18 July 2021, https://www.youtube.com/watch?v=_NTW0npN4N0&amp;ab_channel=ExplainingComputers. </a:t>
+            </a:r>
+          </a:p>
+          <a:p>
+            <a:endParaRPr lang="en-US" sz="3200" b="1" dirty="0">
+              <a:effectLst/>
+            </a:endParaRPr>
           </a:p>
         </p:txBody>
       </p:sp>
@@ -6481,8 +6861,8 @@
         </p:nvSpPr>
         <p:spPr bwMode="auto">
           <a:xfrm>
-            <a:off x="29794200" y="16515099"/>
-            <a:ext cx="12192000" cy="762000"/>
+            <a:off x="29794200" y="12924652"/>
+            <a:ext cx="12192000" cy="7355860"/>
           </a:xfrm>
           <a:prstGeom prst="rect">
             <a:avLst/>
@@ -6620,179 +7000,136 @@
           <a:p>
             <a:pPr algn="just"/>
             <a:r>
-              <a:rPr lang="en-US" altLang="en-US" sz="2000">
+              <a:rPr lang="en-US" altLang="en-US" sz="3200" dirty="0">
                 <a:solidFill>
                   <a:srgbClr val="000000"/>
                 </a:solidFill>
                 <a:latin typeface="Gill Sans MT" panose="020B0502020104020203" pitchFamily="34" charset="0"/>
               </a:rPr>
-              <a:t>Enter acknowledgements here…</a:t>
-            </a:r>
-          </a:p>
-        </p:txBody>
-      </p:sp>
-      <p:sp>
-        <p:nvSpPr>
-          <p:cNvPr id="2063" name="Text Box 41">
-            <a:extLst>
-              <a:ext uri="{FF2B5EF4-FFF2-40B4-BE49-F238E27FC236}">
-                <a16:creationId xmlns:a16="http://schemas.microsoft.com/office/drawing/2014/main" id="{A590A9F6-D4C3-BFDB-FACB-36956D37D5E8}"/>
-              </a:ext>
-            </a:extLst>
-          </p:cNvPr>
-          <p:cNvSpPr txBox="1">
-            <a:spLocks noChangeArrowheads="1"/>
-          </p:cNvSpPr>
-          <p:nvPr/>
-        </p:nvSpPr>
-        <p:spPr bwMode="auto">
-          <a:xfrm>
-            <a:off x="29794200" y="25619075"/>
-            <a:ext cx="12192000" cy="762000"/>
-          </a:xfrm>
-          <a:prstGeom prst="rect">
-            <a:avLst/>
-          </a:prstGeom>
-          <a:solidFill>
-            <a:srgbClr val="E1787E"/>
-          </a:solidFill>
-          <a:ln>
-            <a:noFill/>
-          </a:ln>
-          <a:extLst>
-            <a:ext uri="{91240B29-F687-4F45-9708-019B960494DF}">
-              <a14:hiddenLine xmlns:a14="http://schemas.microsoft.com/office/drawing/2010/main" w="9525">
-                <a:solidFill>
-                  <a:srgbClr val="000000"/>
-                </a:solidFill>
-                <a:miter lim="800000"/>
-                <a:headEnd/>
-                <a:tailEnd/>
-              </a14:hiddenLine>
-            </a:ext>
-          </a:extLst>
-        </p:spPr>
-        <p:txBody>
-          <a:bodyPr lIns="228600" tIns="228600" rIns="228600" bIns="228600">
-            <a:spAutoFit/>
-          </a:bodyPr>
-          <a:lstStyle>
-            <a:lvl1pPr>
-              <a:defRPr sz="2400">
-                <a:solidFill>
-                  <a:schemeClr val="tx1"/>
-                </a:solidFill>
-                <a:latin typeface="Times" panose="02020603050405020304" pitchFamily="18" charset="0"/>
-                <a:ea typeface="ＭＳ Ｐゴシック" panose="020B0600070205080204" pitchFamily="34" charset="-128"/>
-              </a:defRPr>
-            </a:lvl1pPr>
-            <a:lvl2pPr marL="742950" indent="-285750">
-              <a:defRPr sz="2400">
-                <a:solidFill>
-                  <a:schemeClr val="tx1"/>
-                </a:solidFill>
-                <a:latin typeface="Times" panose="02020603050405020304" pitchFamily="18" charset="0"/>
-                <a:ea typeface="ＭＳ Ｐゴシック" panose="020B0600070205080204" pitchFamily="34" charset="-128"/>
-              </a:defRPr>
-            </a:lvl2pPr>
-            <a:lvl3pPr marL="1143000" indent="-228600">
-              <a:defRPr sz="2400">
-                <a:solidFill>
-                  <a:schemeClr val="tx1"/>
-                </a:solidFill>
-                <a:latin typeface="Times" panose="02020603050405020304" pitchFamily="18" charset="0"/>
-                <a:ea typeface="ＭＳ Ｐゴシック" panose="020B0600070205080204" pitchFamily="34" charset="-128"/>
-              </a:defRPr>
-            </a:lvl3pPr>
-            <a:lvl4pPr marL="1600200" indent="-228600">
-              <a:defRPr sz="2400">
-                <a:solidFill>
-                  <a:schemeClr val="tx1"/>
-                </a:solidFill>
-                <a:latin typeface="Times" panose="02020603050405020304" pitchFamily="18" charset="0"/>
-                <a:ea typeface="ＭＳ Ｐゴシック" panose="020B0600070205080204" pitchFamily="34" charset="-128"/>
-              </a:defRPr>
-            </a:lvl4pPr>
-            <a:lvl5pPr marL="2057400" indent="-228600">
-              <a:defRPr sz="2400">
-                <a:solidFill>
-                  <a:schemeClr val="tx1"/>
-                </a:solidFill>
-                <a:latin typeface="Times" panose="02020603050405020304" pitchFamily="18" charset="0"/>
-                <a:ea typeface="ＭＳ Ｐゴシック" panose="020B0600070205080204" pitchFamily="34" charset="-128"/>
-              </a:defRPr>
-            </a:lvl5pPr>
-            <a:lvl6pPr marL="2514600" indent="-228600" eaLnBrk="0" fontAlgn="base" hangingPunct="0">
-              <a:spcBef>
-                <a:spcPct val="0"/>
-              </a:spcBef>
-              <a:spcAft>
-                <a:spcPct val="0"/>
-              </a:spcAft>
-              <a:defRPr sz="2400">
-                <a:solidFill>
-                  <a:schemeClr val="tx1"/>
-                </a:solidFill>
-                <a:latin typeface="Times" panose="02020603050405020304" pitchFamily="18" charset="0"/>
-                <a:ea typeface="ＭＳ Ｐゴシック" panose="020B0600070205080204" pitchFamily="34" charset="-128"/>
-              </a:defRPr>
-            </a:lvl6pPr>
-            <a:lvl7pPr marL="2971800" indent="-228600" eaLnBrk="0" fontAlgn="base" hangingPunct="0">
-              <a:spcBef>
-                <a:spcPct val="0"/>
-              </a:spcBef>
-              <a:spcAft>
-                <a:spcPct val="0"/>
-              </a:spcAft>
-              <a:defRPr sz="2400">
-                <a:solidFill>
-                  <a:schemeClr val="tx1"/>
-                </a:solidFill>
-                <a:latin typeface="Times" panose="02020603050405020304" pitchFamily="18" charset="0"/>
-                <a:ea typeface="ＭＳ Ｐゴシック" panose="020B0600070205080204" pitchFamily="34" charset="-128"/>
-              </a:defRPr>
-            </a:lvl7pPr>
-            <a:lvl8pPr marL="3429000" indent="-228600" eaLnBrk="0" fontAlgn="base" hangingPunct="0">
-              <a:spcBef>
-                <a:spcPct val="0"/>
-              </a:spcBef>
-              <a:spcAft>
-                <a:spcPct val="0"/>
-              </a:spcAft>
-              <a:defRPr sz="2400">
-                <a:solidFill>
-                  <a:schemeClr val="tx1"/>
-                </a:solidFill>
-                <a:latin typeface="Times" panose="02020603050405020304" pitchFamily="18" charset="0"/>
-                <a:ea typeface="ＭＳ Ｐゴシック" panose="020B0600070205080204" pitchFamily="34" charset="-128"/>
-              </a:defRPr>
-            </a:lvl8pPr>
-            <a:lvl9pPr marL="3886200" indent="-228600" eaLnBrk="0" fontAlgn="base" hangingPunct="0">
-              <a:spcBef>
-                <a:spcPct val="0"/>
-              </a:spcBef>
-              <a:spcAft>
-                <a:spcPct val="0"/>
-              </a:spcAft>
-              <a:defRPr sz="2400">
-                <a:solidFill>
-                  <a:schemeClr val="tx1"/>
-                </a:solidFill>
-                <a:latin typeface="Times" panose="02020603050405020304" pitchFamily="18" charset="0"/>
-                <a:ea typeface="ＭＳ Ｐゴシック" panose="020B0600070205080204" pitchFamily="34" charset="-128"/>
-              </a:defRPr>
-            </a:lvl9pPr>
-          </a:lstStyle>
-          <a:p>
-            <a:pPr algn="just"/>
-            <a:r>
-              <a:rPr lang="en-US" altLang="en-US" sz="2000">
+              <a:t>Why Modbus is vulnerable</a:t>
+            </a:r>
+          </a:p>
+          <a:p>
+            <a:pPr marL="457200" indent="-457200" algn="just">
+              <a:buFont typeface="Arial" panose="020B0604020202020204" pitchFamily="34" charset="0"/>
+              <a:buChar char="•"/>
+            </a:pPr>
+            <a:r>
+              <a:rPr lang="en-US" altLang="en-US" sz="3200" dirty="0">
                 <a:solidFill>
                   <a:srgbClr val="000000"/>
                 </a:solidFill>
                 <a:latin typeface="Gill Sans MT" panose="020B0502020104020203" pitchFamily="34" charset="0"/>
               </a:rPr>
-              <a:t>Enter related texts/literature here…</a:t>
+              <a:t>Lack of Confidentiality: All Modbus messages are transmitted in clear text across the transmission media.</a:t>
+            </a:r>
+          </a:p>
+          <a:p>
+            <a:pPr marL="457200" indent="-457200" algn="just">
+              <a:buFont typeface="Arial" panose="020B0604020202020204" pitchFamily="34" charset="0"/>
+              <a:buChar char="•"/>
+            </a:pPr>
+            <a:r>
+              <a:rPr lang="en-US" altLang="en-US" sz="3200" dirty="0">
+                <a:solidFill>
+                  <a:srgbClr val="000000"/>
+                </a:solidFill>
+                <a:latin typeface="Gill Sans MT" panose="020B0502020104020203" pitchFamily="34" charset="0"/>
+              </a:rPr>
+              <a:t>Lack of Integrity: There is no integrity check built into </a:t>
+            </a:r>
+            <a:r>
+              <a:rPr lang="en-US" altLang="en-US" sz="3200" dirty="0" err="1">
+                <a:solidFill>
+                  <a:srgbClr val="000000"/>
+                </a:solidFill>
+                <a:latin typeface="Gill Sans MT" panose="020B0502020104020203" pitchFamily="34" charset="0"/>
+              </a:rPr>
+              <a:t>modbus</a:t>
+            </a:r>
+            <a:r>
+              <a:rPr lang="en-US" altLang="en-US" sz="3200" dirty="0">
+                <a:solidFill>
+                  <a:srgbClr val="000000"/>
+                </a:solidFill>
+                <a:latin typeface="Gill Sans MT" panose="020B0502020104020203" pitchFamily="34" charset="0"/>
+              </a:rPr>
+              <a:t> application protocol. Depends on lower layer protocols to preserve integrity. </a:t>
+            </a:r>
+          </a:p>
+          <a:p>
+            <a:pPr marL="457200" indent="-457200" algn="just">
+              <a:buFont typeface="Arial" panose="020B0604020202020204" pitchFamily="34" charset="0"/>
+              <a:buChar char="•"/>
+            </a:pPr>
+            <a:r>
+              <a:rPr lang="en-US" altLang="en-US" sz="3200" dirty="0">
+                <a:solidFill>
+                  <a:srgbClr val="000000"/>
+                </a:solidFill>
+                <a:latin typeface="Gill Sans MT" panose="020B0502020104020203" pitchFamily="34" charset="0"/>
+              </a:rPr>
+              <a:t>Lack of Authentication: There is no authentication at any level of the </a:t>
+            </a:r>
+            <a:r>
+              <a:rPr lang="en-US" altLang="en-US" sz="3200" dirty="0" err="1">
+                <a:solidFill>
+                  <a:srgbClr val="000000"/>
+                </a:solidFill>
+                <a:latin typeface="Gill Sans MT" panose="020B0502020104020203" pitchFamily="34" charset="0"/>
+              </a:rPr>
+              <a:t>modbus</a:t>
+            </a:r>
+            <a:r>
+              <a:rPr lang="en-US" altLang="en-US" sz="3200" dirty="0">
+                <a:solidFill>
+                  <a:srgbClr val="000000"/>
+                </a:solidFill>
+                <a:latin typeface="Gill Sans MT" panose="020B0502020104020203" pitchFamily="34" charset="0"/>
+              </a:rPr>
+              <a:t> protocol. </a:t>
+            </a:r>
+          </a:p>
+          <a:p>
+            <a:pPr marL="457200" indent="-457200" algn="just">
+              <a:buFont typeface="Arial" panose="020B0604020202020204" pitchFamily="34" charset="0"/>
+              <a:buChar char="•"/>
+            </a:pPr>
+            <a:endParaRPr lang="en-US" altLang="en-US" sz="3200" dirty="0">
+              <a:solidFill>
+                <a:srgbClr val="000000"/>
+              </a:solidFill>
+              <a:latin typeface="Gill Sans MT" panose="020B0502020104020203" pitchFamily="34" charset="0"/>
+            </a:endParaRPr>
+          </a:p>
+          <a:p>
+            <a:pPr algn="just"/>
+            <a:r>
+              <a:rPr lang="en-US" altLang="en-US" sz="3200" dirty="0">
+                <a:solidFill>
+                  <a:srgbClr val="000000"/>
+                </a:solidFill>
+                <a:latin typeface="Gill Sans MT" panose="020B0502020104020203" pitchFamily="34" charset="0"/>
+              </a:rPr>
+              <a:t>Because of these vulnerabilities, we crafted a malicious Modbus packet to be sent hundreds of times per second to flood the PLC with commands, hence the name </a:t>
+            </a:r>
+            <a:r>
+              <a:rPr lang="en-US" altLang="en-US" sz="3200" i="1" dirty="0">
+                <a:solidFill>
+                  <a:srgbClr val="000000"/>
+                </a:solidFill>
+                <a:latin typeface="Gill Sans MT" panose="020B0502020104020203" pitchFamily="34" charset="0"/>
+              </a:rPr>
+              <a:t>Command Injection Attack. </a:t>
+            </a:r>
+            <a:r>
+              <a:rPr lang="en-US" altLang="en-US" sz="3200" dirty="0">
+                <a:solidFill>
+                  <a:srgbClr val="000000"/>
+                </a:solidFill>
+                <a:latin typeface="Gill Sans MT" panose="020B0502020104020203" pitchFamily="34" charset="0"/>
+              </a:rPr>
+              <a:t>Our attack will focus on turning on the outlet valve indefinitely, causing the plants to be inundated if it were to happen in real life.</a:t>
             </a:r>
           </a:p>
         </p:txBody>
@@ -7135,7 +7472,7 @@
                 <a:latin typeface="Gill Sans MT" panose="020B0502020104020203" pitchFamily="34" charset="0"/>
                 <a:cs typeface="Helvetica" panose="020B0604020202020204" pitchFamily="34" charset="0"/>
               </a:rPr>
-              <a:t>Charlie Hernandez, Zachary Drake • Dr. Scott </a:t>
+              <a:t>Charlie Hernandez and Zachary Drake • Dr. Scott </a:t>
             </a:r>
             <a:r>
               <a:rPr lang="en-US" altLang="en-US" sz="3800" dirty="0" err="1">
@@ -7155,7 +7492,27 @@
                 <a:latin typeface="Gill Sans MT" panose="020B0502020104020203" pitchFamily="34" charset="0"/>
                 <a:cs typeface="Helvetica" panose="020B0604020202020204" pitchFamily="34" charset="0"/>
               </a:rPr>
-              <a:t> • Comp 499</a:t>
+              <a:t> and Dr. Reza </a:t>
+            </a:r>
+            <a:r>
+              <a:rPr lang="en-US" altLang="en-US" sz="3800" dirty="0" err="1">
+                <a:solidFill>
+                  <a:schemeClr val="bg1"/>
+                </a:solidFill>
+                <a:latin typeface="Gill Sans MT" panose="020B0502020104020203" pitchFamily="34" charset="0"/>
+                <a:cs typeface="Helvetica" panose="020B0604020202020204" pitchFamily="34" charset="0"/>
+              </a:rPr>
+              <a:t>Abdolee</a:t>
+            </a:r>
+            <a:r>
+              <a:rPr lang="en-US" altLang="en-US" sz="3800" dirty="0">
+                <a:solidFill>
+                  <a:schemeClr val="bg1"/>
+                </a:solidFill>
+                <a:latin typeface="Gill Sans MT" panose="020B0502020104020203" pitchFamily="34" charset="0"/>
+                <a:cs typeface="Helvetica" panose="020B0604020202020204" pitchFamily="34" charset="0"/>
+              </a:rPr>
+              <a:t> • Comp 499/491</a:t>
             </a:r>
           </a:p>
         </p:txBody>
@@ -7272,7 +7629,7 @@
         </p:blipFill>
         <p:spPr>
           <a:xfrm>
-            <a:off x="21945600" y="6729812"/>
+            <a:off x="21945600" y="7605506"/>
             <a:ext cx="2391935" cy="2427849"/>
           </a:xfrm>
           <a:prstGeom prst="rect">
@@ -7332,8 +7689,615 @@
         </p:blipFill>
         <p:spPr>
           <a:xfrm>
-            <a:off x="16821571" y="11607584"/>
+            <a:off x="16524391" y="11251066"/>
             <a:ext cx="10385217" cy="8181729"/>
+          </a:xfrm>
+          <a:prstGeom prst="rect">
+            <a:avLst/>
+          </a:prstGeom>
+        </p:spPr>
+      </p:pic>
+      <p:pic>
+        <p:nvPicPr>
+          <p:cNvPr id="1028" name="Picture 4">
+            <a:extLst>
+              <a:ext uri="{FF2B5EF4-FFF2-40B4-BE49-F238E27FC236}">
+                <a16:creationId xmlns:a16="http://schemas.microsoft.com/office/drawing/2014/main" id="{59411DD7-6F11-B24F-B44F-E56A8EFAA91F}"/>
+              </a:ext>
+            </a:extLst>
+          </p:cNvPr>
+          <p:cNvPicPr>
+            <a:picLocks noChangeAspect="1" noChangeArrowheads="1"/>
+          </p:cNvPicPr>
+          <p:nvPr/>
+        </p:nvPicPr>
+        <p:blipFill>
+          <a:blip r:embed="rId10">
+            <a:extLst>
+              <a:ext uri="{28A0092B-C50C-407E-A947-70E740481C1C}">
+                <a14:useLocalDpi xmlns:a14="http://schemas.microsoft.com/office/drawing/2010/main" val="0"/>
+              </a:ext>
+            </a:extLst>
+          </a:blip>
+          <a:srcRect/>
+          <a:stretch>
+            <a:fillRect/>
+          </a:stretch>
+        </p:blipFill>
+        <p:spPr bwMode="auto">
+          <a:xfrm>
+            <a:off x="30937200" y="20655274"/>
+            <a:ext cx="10385217" cy="4373612"/>
+          </a:xfrm>
+          <a:prstGeom prst="rect">
+            <a:avLst/>
+          </a:prstGeom>
+          <a:noFill/>
+          <a:extLst>
+            <a:ext uri="{909E8E84-426E-40DD-AFC4-6F175D3DCCD1}">
+              <a14:hiddenFill xmlns:a14="http://schemas.microsoft.com/office/drawing/2010/main">
+                <a:solidFill>
+                  <a:srgbClr val="FFFFFF"/>
+                </a:solidFill>
+              </a14:hiddenFill>
+            </a:ext>
+          </a:extLst>
+        </p:spPr>
+      </p:pic>
+      <p:sp>
+        <p:nvSpPr>
+          <p:cNvPr id="14" name="Text Box 31">
+            <a:extLst>
+              <a:ext uri="{FF2B5EF4-FFF2-40B4-BE49-F238E27FC236}">
+                <a16:creationId xmlns:a16="http://schemas.microsoft.com/office/drawing/2014/main" id="{BA68AB9B-9008-D968-7F8C-CA0D5F164445}"/>
+              </a:ext>
+            </a:extLst>
+          </p:cNvPr>
+          <p:cNvSpPr txBox="1">
+            <a:spLocks noChangeArrowheads="1"/>
+          </p:cNvSpPr>
+          <p:nvPr/>
+        </p:nvSpPr>
+        <p:spPr bwMode="auto">
+          <a:xfrm>
+            <a:off x="15849600" y="20464495"/>
+            <a:ext cx="12192000" cy="701675"/>
+          </a:xfrm>
+          <a:prstGeom prst="rect">
+            <a:avLst/>
+          </a:prstGeom>
+          <a:solidFill>
+            <a:srgbClr val="850011"/>
+          </a:solidFill>
+          <a:ln>
+            <a:noFill/>
+          </a:ln>
+          <a:extLst>
+            <a:ext uri="{91240B29-F687-4F45-9708-019B960494DF}">
+              <a14:hiddenLine xmlns:a14="http://schemas.microsoft.com/office/drawing/2010/main" w="9525">
+                <a:solidFill>
+                  <a:srgbClr val="000000"/>
+                </a:solidFill>
+                <a:miter lim="800000"/>
+                <a:headEnd/>
+                <a:tailEnd/>
+              </a14:hiddenLine>
+            </a:ext>
+          </a:extLst>
+        </p:spPr>
+        <p:txBody>
+          <a:bodyPr>
+            <a:spAutoFit/>
+          </a:bodyPr>
+          <a:lstStyle>
+            <a:lvl1pPr>
+              <a:defRPr sz="2400">
+                <a:solidFill>
+                  <a:schemeClr val="tx1"/>
+                </a:solidFill>
+                <a:latin typeface="Times" panose="02020603050405020304" pitchFamily="18" charset="0"/>
+                <a:ea typeface="ＭＳ Ｐゴシック" panose="020B0600070205080204" pitchFamily="34" charset="-128"/>
+              </a:defRPr>
+            </a:lvl1pPr>
+            <a:lvl2pPr marL="742950" indent="-285750">
+              <a:defRPr sz="2400">
+                <a:solidFill>
+                  <a:schemeClr val="tx1"/>
+                </a:solidFill>
+                <a:latin typeface="Times" panose="02020603050405020304" pitchFamily="18" charset="0"/>
+                <a:ea typeface="ＭＳ Ｐゴシック" panose="020B0600070205080204" pitchFamily="34" charset="-128"/>
+              </a:defRPr>
+            </a:lvl2pPr>
+            <a:lvl3pPr marL="1143000" indent="-228600">
+              <a:defRPr sz="2400">
+                <a:solidFill>
+                  <a:schemeClr val="tx1"/>
+                </a:solidFill>
+                <a:latin typeface="Times" panose="02020603050405020304" pitchFamily="18" charset="0"/>
+                <a:ea typeface="ＭＳ Ｐゴシック" panose="020B0600070205080204" pitchFamily="34" charset="-128"/>
+              </a:defRPr>
+            </a:lvl3pPr>
+            <a:lvl4pPr marL="1600200" indent="-228600">
+              <a:defRPr sz="2400">
+                <a:solidFill>
+                  <a:schemeClr val="tx1"/>
+                </a:solidFill>
+                <a:latin typeface="Times" panose="02020603050405020304" pitchFamily="18" charset="0"/>
+                <a:ea typeface="ＭＳ Ｐゴシック" panose="020B0600070205080204" pitchFamily="34" charset="-128"/>
+              </a:defRPr>
+            </a:lvl4pPr>
+            <a:lvl5pPr marL="2057400" indent="-228600">
+              <a:defRPr sz="2400">
+                <a:solidFill>
+                  <a:schemeClr val="tx1"/>
+                </a:solidFill>
+                <a:latin typeface="Times" panose="02020603050405020304" pitchFamily="18" charset="0"/>
+                <a:ea typeface="ＭＳ Ｐゴシック" panose="020B0600070205080204" pitchFamily="34" charset="-128"/>
+              </a:defRPr>
+            </a:lvl5pPr>
+            <a:lvl6pPr marL="2514600" indent="-228600" eaLnBrk="0" fontAlgn="base" hangingPunct="0">
+              <a:spcBef>
+                <a:spcPct val="0"/>
+              </a:spcBef>
+              <a:spcAft>
+                <a:spcPct val="0"/>
+              </a:spcAft>
+              <a:defRPr sz="2400">
+                <a:solidFill>
+                  <a:schemeClr val="tx1"/>
+                </a:solidFill>
+                <a:latin typeface="Times" panose="02020603050405020304" pitchFamily="18" charset="0"/>
+                <a:ea typeface="ＭＳ Ｐゴシック" panose="020B0600070205080204" pitchFamily="34" charset="-128"/>
+              </a:defRPr>
+            </a:lvl6pPr>
+            <a:lvl7pPr marL="2971800" indent="-228600" eaLnBrk="0" fontAlgn="base" hangingPunct="0">
+              <a:spcBef>
+                <a:spcPct val="0"/>
+              </a:spcBef>
+              <a:spcAft>
+                <a:spcPct val="0"/>
+              </a:spcAft>
+              <a:defRPr sz="2400">
+                <a:solidFill>
+                  <a:schemeClr val="tx1"/>
+                </a:solidFill>
+                <a:latin typeface="Times" panose="02020603050405020304" pitchFamily="18" charset="0"/>
+                <a:ea typeface="ＭＳ Ｐゴシック" panose="020B0600070205080204" pitchFamily="34" charset="-128"/>
+              </a:defRPr>
+            </a:lvl7pPr>
+            <a:lvl8pPr marL="3429000" indent="-228600" eaLnBrk="0" fontAlgn="base" hangingPunct="0">
+              <a:spcBef>
+                <a:spcPct val="0"/>
+              </a:spcBef>
+              <a:spcAft>
+                <a:spcPct val="0"/>
+              </a:spcAft>
+              <a:defRPr sz="2400">
+                <a:solidFill>
+                  <a:schemeClr val="tx1"/>
+                </a:solidFill>
+                <a:latin typeface="Times" panose="02020603050405020304" pitchFamily="18" charset="0"/>
+                <a:ea typeface="ＭＳ Ｐゴシック" panose="020B0600070205080204" pitchFamily="34" charset="-128"/>
+              </a:defRPr>
+            </a:lvl8pPr>
+            <a:lvl9pPr marL="3886200" indent="-228600" eaLnBrk="0" fontAlgn="base" hangingPunct="0">
+              <a:spcBef>
+                <a:spcPct val="0"/>
+              </a:spcBef>
+              <a:spcAft>
+                <a:spcPct val="0"/>
+              </a:spcAft>
+              <a:defRPr sz="2400">
+                <a:solidFill>
+                  <a:schemeClr val="tx1"/>
+                </a:solidFill>
+                <a:latin typeface="Times" panose="02020603050405020304" pitchFamily="18" charset="0"/>
+                <a:ea typeface="ＭＳ Ｐゴシック" panose="020B0600070205080204" pitchFamily="34" charset="-128"/>
+              </a:defRPr>
+            </a:lvl9pPr>
+          </a:lstStyle>
+          <a:p>
+            <a:pPr algn="ctr"/>
+            <a:r>
+              <a:rPr lang="en-US" altLang="en-US" sz="4000" dirty="0">
+                <a:solidFill>
+                  <a:schemeClr val="bg1"/>
+                </a:solidFill>
+                <a:latin typeface="Gill Sans MT" panose="020B0502020104020203" pitchFamily="34" charset="0"/>
+              </a:rPr>
+              <a:t>Ladder Diagrams</a:t>
+            </a:r>
+          </a:p>
+        </p:txBody>
+      </p:sp>
+      <p:sp>
+        <p:nvSpPr>
+          <p:cNvPr id="17" name="Text Box 38">
+            <a:extLst>
+              <a:ext uri="{FF2B5EF4-FFF2-40B4-BE49-F238E27FC236}">
+                <a16:creationId xmlns:a16="http://schemas.microsoft.com/office/drawing/2014/main" id="{D5244CAA-19BC-F9B4-C76F-9EB820EC29AA}"/>
+              </a:ext>
+            </a:extLst>
+          </p:cNvPr>
+          <p:cNvSpPr txBox="1">
+            <a:spLocks noChangeArrowheads="1"/>
+          </p:cNvSpPr>
+          <p:nvPr/>
+        </p:nvSpPr>
+        <p:spPr bwMode="auto">
+          <a:xfrm>
+            <a:off x="15849600" y="21161233"/>
+            <a:ext cx="12192000" cy="10310515"/>
+          </a:xfrm>
+          <a:prstGeom prst="rect">
+            <a:avLst/>
+          </a:prstGeom>
+          <a:solidFill>
+            <a:srgbClr val="E1787E"/>
+          </a:solidFill>
+          <a:ln>
+            <a:noFill/>
+          </a:ln>
+          <a:extLst>
+            <a:ext uri="{91240B29-F687-4F45-9708-019B960494DF}">
+              <a14:hiddenLine xmlns:a14="http://schemas.microsoft.com/office/drawing/2010/main" w="9525">
+                <a:solidFill>
+                  <a:srgbClr val="000000"/>
+                </a:solidFill>
+                <a:miter lim="800000"/>
+                <a:headEnd/>
+                <a:tailEnd/>
+              </a14:hiddenLine>
+            </a:ext>
+          </a:extLst>
+        </p:spPr>
+        <p:txBody>
+          <a:bodyPr lIns="228600" tIns="228600" rIns="228600" bIns="228600">
+            <a:spAutoFit/>
+          </a:bodyPr>
+          <a:lstStyle>
+            <a:lvl1pPr>
+              <a:defRPr sz="2400">
+                <a:solidFill>
+                  <a:schemeClr val="tx1"/>
+                </a:solidFill>
+                <a:latin typeface="Times" panose="02020603050405020304" pitchFamily="18" charset="0"/>
+                <a:ea typeface="ＭＳ Ｐゴシック" panose="020B0600070205080204" pitchFamily="34" charset="-128"/>
+              </a:defRPr>
+            </a:lvl1pPr>
+            <a:lvl2pPr marL="742950" indent="-285750">
+              <a:defRPr sz="2400">
+                <a:solidFill>
+                  <a:schemeClr val="tx1"/>
+                </a:solidFill>
+                <a:latin typeface="Times" panose="02020603050405020304" pitchFamily="18" charset="0"/>
+                <a:ea typeface="ＭＳ Ｐゴシック" panose="020B0600070205080204" pitchFamily="34" charset="-128"/>
+              </a:defRPr>
+            </a:lvl2pPr>
+            <a:lvl3pPr marL="1143000" indent="-228600">
+              <a:defRPr sz="2400">
+                <a:solidFill>
+                  <a:schemeClr val="tx1"/>
+                </a:solidFill>
+                <a:latin typeface="Times" panose="02020603050405020304" pitchFamily="18" charset="0"/>
+                <a:ea typeface="ＭＳ Ｐゴシック" panose="020B0600070205080204" pitchFamily="34" charset="-128"/>
+              </a:defRPr>
+            </a:lvl3pPr>
+            <a:lvl4pPr marL="1600200" indent="-228600">
+              <a:defRPr sz="2400">
+                <a:solidFill>
+                  <a:schemeClr val="tx1"/>
+                </a:solidFill>
+                <a:latin typeface="Times" panose="02020603050405020304" pitchFamily="18" charset="0"/>
+                <a:ea typeface="ＭＳ Ｐゴシック" panose="020B0600070205080204" pitchFamily="34" charset="-128"/>
+              </a:defRPr>
+            </a:lvl4pPr>
+            <a:lvl5pPr marL="2057400" indent="-228600">
+              <a:defRPr sz="2400">
+                <a:solidFill>
+                  <a:schemeClr val="tx1"/>
+                </a:solidFill>
+                <a:latin typeface="Times" panose="02020603050405020304" pitchFamily="18" charset="0"/>
+                <a:ea typeface="ＭＳ Ｐゴシック" panose="020B0600070205080204" pitchFamily="34" charset="-128"/>
+              </a:defRPr>
+            </a:lvl5pPr>
+            <a:lvl6pPr marL="2514600" indent="-228600" eaLnBrk="0" fontAlgn="base" hangingPunct="0">
+              <a:spcBef>
+                <a:spcPct val="0"/>
+              </a:spcBef>
+              <a:spcAft>
+                <a:spcPct val="0"/>
+              </a:spcAft>
+              <a:defRPr sz="2400">
+                <a:solidFill>
+                  <a:schemeClr val="tx1"/>
+                </a:solidFill>
+                <a:latin typeface="Times" panose="02020603050405020304" pitchFamily="18" charset="0"/>
+                <a:ea typeface="ＭＳ Ｐゴシック" panose="020B0600070205080204" pitchFamily="34" charset="-128"/>
+              </a:defRPr>
+            </a:lvl6pPr>
+            <a:lvl7pPr marL="2971800" indent="-228600" eaLnBrk="0" fontAlgn="base" hangingPunct="0">
+              <a:spcBef>
+                <a:spcPct val="0"/>
+              </a:spcBef>
+              <a:spcAft>
+                <a:spcPct val="0"/>
+              </a:spcAft>
+              <a:defRPr sz="2400">
+                <a:solidFill>
+                  <a:schemeClr val="tx1"/>
+                </a:solidFill>
+                <a:latin typeface="Times" panose="02020603050405020304" pitchFamily="18" charset="0"/>
+                <a:ea typeface="ＭＳ Ｐゴシック" panose="020B0600070205080204" pitchFamily="34" charset="-128"/>
+              </a:defRPr>
+            </a:lvl7pPr>
+            <a:lvl8pPr marL="3429000" indent="-228600" eaLnBrk="0" fontAlgn="base" hangingPunct="0">
+              <a:spcBef>
+                <a:spcPct val="0"/>
+              </a:spcBef>
+              <a:spcAft>
+                <a:spcPct val="0"/>
+              </a:spcAft>
+              <a:defRPr sz="2400">
+                <a:solidFill>
+                  <a:schemeClr val="tx1"/>
+                </a:solidFill>
+                <a:latin typeface="Times" panose="02020603050405020304" pitchFamily="18" charset="0"/>
+                <a:ea typeface="ＭＳ Ｐゴシック" panose="020B0600070205080204" pitchFamily="34" charset="-128"/>
+              </a:defRPr>
+            </a:lvl8pPr>
+            <a:lvl9pPr marL="3886200" indent="-228600" eaLnBrk="0" fontAlgn="base" hangingPunct="0">
+              <a:spcBef>
+                <a:spcPct val="0"/>
+              </a:spcBef>
+              <a:spcAft>
+                <a:spcPct val="0"/>
+              </a:spcAft>
+              <a:defRPr sz="2400">
+                <a:solidFill>
+                  <a:schemeClr val="tx1"/>
+                </a:solidFill>
+                <a:latin typeface="Times" panose="02020603050405020304" pitchFamily="18" charset="0"/>
+                <a:ea typeface="ＭＳ Ｐゴシック" panose="020B0600070205080204" pitchFamily="34" charset="-128"/>
+              </a:defRPr>
+            </a:lvl9pPr>
+          </a:lstStyle>
+          <a:p>
+            <a:pPr algn="just"/>
+            <a:endParaRPr lang="en-US" altLang="en-US" sz="3200" dirty="0">
+              <a:solidFill>
+                <a:srgbClr val="000000"/>
+              </a:solidFill>
+              <a:latin typeface="Gill Sans MT" panose="020B0502020104020203" pitchFamily="34" charset="0"/>
+            </a:endParaRPr>
+          </a:p>
+          <a:p>
+            <a:pPr algn="just"/>
+            <a:endParaRPr lang="en-US" altLang="en-US" sz="3200" dirty="0">
+              <a:solidFill>
+                <a:srgbClr val="000000"/>
+              </a:solidFill>
+              <a:latin typeface="Gill Sans MT" panose="020B0502020104020203" pitchFamily="34" charset="0"/>
+            </a:endParaRPr>
+          </a:p>
+          <a:p>
+            <a:pPr algn="just"/>
+            <a:endParaRPr lang="en-US" altLang="en-US" sz="3200" dirty="0">
+              <a:solidFill>
+                <a:srgbClr val="000000"/>
+              </a:solidFill>
+              <a:latin typeface="Gill Sans MT" panose="020B0502020104020203" pitchFamily="34" charset="0"/>
+            </a:endParaRPr>
+          </a:p>
+          <a:p>
+            <a:pPr algn="just"/>
+            <a:endParaRPr lang="en-US" altLang="en-US" sz="3200" dirty="0">
+              <a:solidFill>
+                <a:srgbClr val="000000"/>
+              </a:solidFill>
+              <a:latin typeface="Gill Sans MT" panose="020B0502020104020203" pitchFamily="34" charset="0"/>
+            </a:endParaRPr>
+          </a:p>
+          <a:p>
+            <a:pPr algn="just"/>
+            <a:endParaRPr lang="en-US" altLang="en-US" sz="3200" dirty="0">
+              <a:solidFill>
+                <a:srgbClr val="000000"/>
+              </a:solidFill>
+              <a:latin typeface="Gill Sans MT" panose="020B0502020104020203" pitchFamily="34" charset="0"/>
+            </a:endParaRPr>
+          </a:p>
+          <a:p>
+            <a:pPr algn="just"/>
+            <a:endParaRPr lang="en-US" altLang="en-US" sz="3200" dirty="0">
+              <a:solidFill>
+                <a:srgbClr val="000000"/>
+              </a:solidFill>
+              <a:latin typeface="Gill Sans MT" panose="020B0502020104020203" pitchFamily="34" charset="0"/>
+            </a:endParaRPr>
+          </a:p>
+          <a:p>
+            <a:pPr algn="just"/>
+            <a:endParaRPr lang="en-US" altLang="en-US" sz="3200" dirty="0">
+              <a:solidFill>
+                <a:srgbClr val="000000"/>
+              </a:solidFill>
+              <a:latin typeface="Gill Sans MT" panose="020B0502020104020203" pitchFamily="34" charset="0"/>
+            </a:endParaRPr>
+          </a:p>
+          <a:p>
+            <a:pPr algn="just"/>
+            <a:endParaRPr lang="en-US" altLang="en-US" sz="3200" dirty="0">
+              <a:solidFill>
+                <a:srgbClr val="000000"/>
+              </a:solidFill>
+              <a:latin typeface="Gill Sans MT" panose="020B0502020104020203" pitchFamily="34" charset="0"/>
+            </a:endParaRPr>
+          </a:p>
+          <a:p>
+            <a:pPr algn="just"/>
+            <a:endParaRPr lang="en-US" altLang="en-US" sz="3200" dirty="0">
+              <a:solidFill>
+                <a:srgbClr val="000000"/>
+              </a:solidFill>
+              <a:latin typeface="Gill Sans MT" panose="020B0502020104020203" pitchFamily="34" charset="0"/>
+            </a:endParaRPr>
+          </a:p>
+          <a:p>
+            <a:pPr algn="just"/>
+            <a:endParaRPr lang="en-US" altLang="en-US" sz="3200" dirty="0">
+              <a:solidFill>
+                <a:srgbClr val="000000"/>
+              </a:solidFill>
+              <a:latin typeface="Gill Sans MT" panose="020B0502020104020203" pitchFamily="34" charset="0"/>
+            </a:endParaRPr>
+          </a:p>
+          <a:p>
+            <a:pPr algn="just"/>
+            <a:endParaRPr lang="en-US" altLang="en-US" sz="3200" dirty="0">
+              <a:solidFill>
+                <a:srgbClr val="000000"/>
+              </a:solidFill>
+              <a:latin typeface="Gill Sans MT" panose="020B0502020104020203" pitchFamily="34" charset="0"/>
+            </a:endParaRPr>
+          </a:p>
+          <a:p>
+            <a:pPr algn="just"/>
+            <a:endParaRPr lang="en-US" altLang="en-US" sz="3200" dirty="0">
+              <a:solidFill>
+                <a:srgbClr val="000000"/>
+              </a:solidFill>
+              <a:latin typeface="Gill Sans MT" panose="020B0502020104020203" pitchFamily="34" charset="0"/>
+            </a:endParaRPr>
+          </a:p>
+          <a:p>
+            <a:pPr algn="just"/>
+            <a:endParaRPr lang="en-US" altLang="en-US" sz="3200" dirty="0">
+              <a:solidFill>
+                <a:srgbClr val="000000"/>
+              </a:solidFill>
+              <a:latin typeface="Gill Sans MT" panose="020B0502020104020203" pitchFamily="34" charset="0"/>
+            </a:endParaRPr>
+          </a:p>
+          <a:p>
+            <a:pPr algn="just"/>
+            <a:endParaRPr lang="en-US" altLang="en-US" sz="3200" dirty="0">
+              <a:solidFill>
+                <a:srgbClr val="000000"/>
+              </a:solidFill>
+              <a:latin typeface="Gill Sans MT" panose="020B0502020104020203" pitchFamily="34" charset="0"/>
+            </a:endParaRPr>
+          </a:p>
+          <a:p>
+            <a:pPr algn="just"/>
+            <a:endParaRPr lang="en-US" altLang="en-US" sz="3200" dirty="0">
+              <a:solidFill>
+                <a:srgbClr val="000000"/>
+              </a:solidFill>
+              <a:latin typeface="Gill Sans MT" panose="020B0502020104020203" pitchFamily="34" charset="0"/>
+            </a:endParaRPr>
+          </a:p>
+          <a:p>
+            <a:pPr algn="just"/>
+            <a:endParaRPr lang="en-US" altLang="en-US" sz="3200" dirty="0">
+              <a:solidFill>
+                <a:srgbClr val="000000"/>
+              </a:solidFill>
+              <a:latin typeface="Gill Sans MT" panose="020B0502020104020203" pitchFamily="34" charset="0"/>
+            </a:endParaRPr>
+          </a:p>
+          <a:p>
+            <a:pPr algn="just"/>
+            <a:endParaRPr lang="en-US" altLang="en-US" sz="3200" dirty="0">
+              <a:solidFill>
+                <a:srgbClr val="000000"/>
+              </a:solidFill>
+              <a:latin typeface="Gill Sans MT" panose="020B0502020104020203" pitchFamily="34" charset="0"/>
+            </a:endParaRPr>
+          </a:p>
+          <a:p>
+            <a:pPr algn="just"/>
+            <a:endParaRPr lang="en-US" altLang="en-US" sz="3200" dirty="0">
+              <a:solidFill>
+                <a:srgbClr val="000000"/>
+              </a:solidFill>
+              <a:latin typeface="Gill Sans MT" panose="020B0502020104020203" pitchFamily="34" charset="0"/>
+            </a:endParaRPr>
+          </a:p>
+          <a:p>
+            <a:pPr algn="just"/>
+            <a:endParaRPr lang="en-US" altLang="en-US" sz="3200" dirty="0">
+              <a:solidFill>
+                <a:srgbClr val="000000"/>
+              </a:solidFill>
+              <a:latin typeface="Gill Sans MT" panose="020B0502020104020203" pitchFamily="34" charset="0"/>
+            </a:endParaRPr>
+          </a:p>
+          <a:p>
+            <a:pPr algn="just"/>
+            <a:endParaRPr lang="en-US" altLang="en-US" sz="3200" dirty="0">
+              <a:solidFill>
+                <a:srgbClr val="000000"/>
+              </a:solidFill>
+              <a:latin typeface="Gill Sans MT" panose="020B0502020104020203" pitchFamily="34" charset="0"/>
+            </a:endParaRPr>
+          </a:p>
+        </p:txBody>
+      </p:sp>
+      <p:pic>
+        <p:nvPicPr>
+          <p:cNvPr id="29" name="Picture 28">
+            <a:extLst>
+              <a:ext uri="{FF2B5EF4-FFF2-40B4-BE49-F238E27FC236}">
+                <a16:creationId xmlns:a16="http://schemas.microsoft.com/office/drawing/2014/main" id="{2428EF2E-C647-EE6E-A4E8-1E5767DE7353}"/>
+              </a:ext>
+            </a:extLst>
+          </p:cNvPr>
+          <p:cNvPicPr>
+            <a:picLocks noChangeAspect="1"/>
+          </p:cNvPicPr>
+          <p:nvPr/>
+        </p:nvPicPr>
+        <p:blipFill>
+          <a:blip r:embed="rId11"/>
+          <a:stretch>
+            <a:fillRect/>
+          </a:stretch>
+        </p:blipFill>
+        <p:spPr>
+          <a:xfrm>
+            <a:off x="16218800" y="21501133"/>
+            <a:ext cx="11594199" cy="4952862"/>
+          </a:xfrm>
+          <a:prstGeom prst="rect">
+            <a:avLst/>
+          </a:prstGeom>
+        </p:spPr>
+      </p:pic>
+      <p:pic>
+        <p:nvPicPr>
+          <p:cNvPr id="36" name="Picture 35">
+            <a:extLst>
+              <a:ext uri="{FF2B5EF4-FFF2-40B4-BE49-F238E27FC236}">
+                <a16:creationId xmlns:a16="http://schemas.microsoft.com/office/drawing/2014/main" id="{9BA862CA-D295-11F9-95BD-B387C11B535A}"/>
+              </a:ext>
+            </a:extLst>
+          </p:cNvPr>
+          <p:cNvPicPr>
+            <a:picLocks noChangeAspect="1"/>
+          </p:cNvPicPr>
+          <p:nvPr/>
+        </p:nvPicPr>
+        <p:blipFill>
+          <a:blip r:embed="rId12"/>
+          <a:stretch>
+            <a:fillRect/>
+          </a:stretch>
+        </p:blipFill>
+        <p:spPr>
+          <a:xfrm>
+            <a:off x="16218800" y="26788958"/>
+            <a:ext cx="11525238" cy="3846214"/>
           </a:xfrm>
           <a:prstGeom prst="rect">
             <a:avLst/>
